--- a/bm-sfr-driver/MF.pptx
+++ b/bm-sfr-driver/MF.pptx
@@ -264,7 +264,7 @@
           <a:p>
             <a:fld id="{E103D35A-DC37-463B-9812-D1385B3C8208}" type="datetimeFigureOut">
               <a:rPr lang="en-DE" smtClean="0"/>
-              <a:t>04/01/2025</a:t>
+              <a:t>04/02/2025</a:t>
             </a:fld>
             <a:endParaRPr lang="en-DE"/>
           </a:p>
@@ -464,7 +464,7 @@
           <a:p>
             <a:fld id="{E103D35A-DC37-463B-9812-D1385B3C8208}" type="datetimeFigureOut">
               <a:rPr lang="en-DE" smtClean="0"/>
-              <a:t>04/01/2025</a:t>
+              <a:t>04/02/2025</a:t>
             </a:fld>
             <a:endParaRPr lang="en-DE"/>
           </a:p>
@@ -674,7 +674,7 @@
           <a:p>
             <a:fld id="{E103D35A-DC37-463B-9812-D1385B3C8208}" type="datetimeFigureOut">
               <a:rPr lang="en-DE" smtClean="0"/>
-              <a:t>04/01/2025</a:t>
+              <a:t>04/02/2025</a:t>
             </a:fld>
             <a:endParaRPr lang="en-DE"/>
           </a:p>
@@ -874,7 +874,7 @@
           <a:p>
             <a:fld id="{E103D35A-DC37-463B-9812-D1385B3C8208}" type="datetimeFigureOut">
               <a:rPr lang="en-DE" smtClean="0"/>
-              <a:t>04/01/2025</a:t>
+              <a:t>04/02/2025</a:t>
             </a:fld>
             <a:endParaRPr lang="en-DE"/>
           </a:p>
@@ -1150,7 +1150,7 @@
           <a:p>
             <a:fld id="{E103D35A-DC37-463B-9812-D1385B3C8208}" type="datetimeFigureOut">
               <a:rPr lang="en-DE" smtClean="0"/>
-              <a:t>04/01/2025</a:t>
+              <a:t>04/02/2025</a:t>
             </a:fld>
             <a:endParaRPr lang="en-DE"/>
           </a:p>
@@ -1418,7 +1418,7 @@
           <a:p>
             <a:fld id="{E103D35A-DC37-463B-9812-D1385B3C8208}" type="datetimeFigureOut">
               <a:rPr lang="en-DE" smtClean="0"/>
-              <a:t>04/01/2025</a:t>
+              <a:t>04/02/2025</a:t>
             </a:fld>
             <a:endParaRPr lang="en-DE"/>
           </a:p>
@@ -1833,7 +1833,7 @@
           <a:p>
             <a:fld id="{E103D35A-DC37-463B-9812-D1385B3C8208}" type="datetimeFigureOut">
               <a:rPr lang="en-DE" smtClean="0"/>
-              <a:t>04/01/2025</a:t>
+              <a:t>04/02/2025</a:t>
             </a:fld>
             <a:endParaRPr lang="en-DE"/>
           </a:p>
@@ -1975,7 +1975,7 @@
           <a:p>
             <a:fld id="{E103D35A-DC37-463B-9812-D1385B3C8208}" type="datetimeFigureOut">
               <a:rPr lang="en-DE" smtClean="0"/>
-              <a:t>04/01/2025</a:t>
+              <a:t>04/02/2025</a:t>
             </a:fld>
             <a:endParaRPr lang="en-DE"/>
           </a:p>
@@ -2088,7 +2088,7 @@
           <a:p>
             <a:fld id="{E103D35A-DC37-463B-9812-D1385B3C8208}" type="datetimeFigureOut">
               <a:rPr lang="en-DE" smtClean="0"/>
-              <a:t>04/01/2025</a:t>
+              <a:t>04/02/2025</a:t>
             </a:fld>
             <a:endParaRPr lang="en-DE"/>
           </a:p>
@@ -2401,7 +2401,7 @@
           <a:p>
             <a:fld id="{E103D35A-DC37-463B-9812-D1385B3C8208}" type="datetimeFigureOut">
               <a:rPr lang="en-DE" smtClean="0"/>
-              <a:t>04/01/2025</a:t>
+              <a:t>04/02/2025</a:t>
             </a:fld>
             <a:endParaRPr lang="en-DE"/>
           </a:p>
@@ -2690,7 +2690,7 @@
           <a:p>
             <a:fld id="{E103D35A-DC37-463B-9812-D1385B3C8208}" type="datetimeFigureOut">
               <a:rPr lang="en-DE" smtClean="0"/>
-              <a:t>04/01/2025</a:t>
+              <a:t>04/02/2025</a:t>
             </a:fld>
             <a:endParaRPr lang="en-DE"/>
           </a:p>
@@ -2936,7 +2936,7 @@
           <a:p>
             <a:fld id="{E103D35A-DC37-463B-9812-D1385B3C8208}" type="datetimeFigureOut">
               <a:rPr lang="en-DE" smtClean="0"/>
-              <a:t>04/01/2025</a:t>
+              <a:t>04/02/2025</a:t>
             </a:fld>
             <a:endParaRPr lang="en-DE"/>
           </a:p>
@@ -3535,7 +3535,7 @@
               <a:rPr lang="en-US" sz="4400" b="1" dirty="0">
                 <a:latin typeface="+mn-lt"/>
               </a:rPr>
-              <a:t>Zynq 7000: AXI peripherals</a:t>
+              <a:t>Zynq 7000: AXI Lite peripherals</a:t>
             </a:r>
           </a:p>
           <a:p>
@@ -9843,10 +9843,10 @@
       </p:sp>
       <p:pic>
         <p:nvPicPr>
-          <p:cNvPr id="42" name="Picture 41" descr="A computer screen shot of a computer&#10;&#10;AI-generated content may be incorrect.">
+          <p:cNvPr id="36" name="Picture 35" descr="A computer screen shot of a diagram&#10;&#10;AI-generated content may be incorrect.">
             <a:extLst>
               <a:ext uri="{FF2B5EF4-FFF2-40B4-BE49-F238E27FC236}">
-                <a16:creationId xmlns:a16="http://schemas.microsoft.com/office/drawing/2014/main" id="{95CE32B5-56CC-D84C-A856-34A1E97F7056}"/>
+                <a16:creationId xmlns:a16="http://schemas.microsoft.com/office/drawing/2014/main" id="{9AC909BB-F6D2-1195-539A-86F25CD8658E}"/>
               </a:ext>
             </a:extLst>
           </p:cNvPr>
@@ -9869,14 +9869,187 @@
         </p:blipFill>
         <p:spPr>
           <a:xfrm>
-            <a:off x="1166473" y="250825"/>
-            <a:ext cx="9948409" cy="6234507"/>
+            <a:off x="528151" y="413435"/>
+            <a:ext cx="11201505" cy="5830512"/>
           </a:xfrm>
           <a:prstGeom prst="rect">
             <a:avLst/>
           </a:prstGeom>
         </p:spPr>
       </p:pic>
+      <p:cxnSp>
+        <p:nvCxnSpPr>
+          <p:cNvPr id="7" name="Straight Connector 6">
+            <a:extLst>
+              <a:ext uri="{FF2B5EF4-FFF2-40B4-BE49-F238E27FC236}">
+                <a16:creationId xmlns:a16="http://schemas.microsoft.com/office/drawing/2014/main" id="{167AD533-0FF9-FA5E-43BC-3DE2E8C26691}"/>
+              </a:ext>
+            </a:extLst>
+          </p:cNvPr>
+          <p:cNvCxnSpPr/>
+          <p:nvPr/>
+        </p:nvCxnSpPr>
+        <p:spPr>
+          <a:xfrm>
+            <a:off x="5773615" y="3763108"/>
+            <a:ext cx="5416672" cy="0"/>
+          </a:xfrm>
+          <a:prstGeom prst="line">
+            <a:avLst/>
+          </a:prstGeom>
+          <a:ln w="19050">
+            <a:solidFill>
+              <a:srgbClr val="FF0000"/>
+            </a:solidFill>
+          </a:ln>
+        </p:spPr>
+        <p:style>
+          <a:lnRef idx="1">
+            <a:schemeClr val="accent1"/>
+          </a:lnRef>
+          <a:fillRef idx="0">
+            <a:schemeClr val="accent1"/>
+          </a:fillRef>
+          <a:effectRef idx="0">
+            <a:schemeClr val="accent1"/>
+          </a:effectRef>
+          <a:fontRef idx="minor">
+            <a:schemeClr val="tx1"/>
+          </a:fontRef>
+        </p:style>
+      </p:cxnSp>
+      <p:sp>
+        <p:nvSpPr>
+          <p:cNvPr id="8" name="TextBox 7">
+            <a:extLst>
+              <a:ext uri="{FF2B5EF4-FFF2-40B4-BE49-F238E27FC236}">
+                <a16:creationId xmlns:a16="http://schemas.microsoft.com/office/drawing/2014/main" id="{4F21DE20-E135-7744-4463-4AE6EDB0E951}"/>
+              </a:ext>
+            </a:extLst>
+          </p:cNvPr>
+          <p:cNvSpPr txBox="1"/>
+          <p:nvPr/>
+        </p:nvSpPr>
+        <p:spPr>
+          <a:xfrm>
+            <a:off x="10034954" y="4191000"/>
+            <a:ext cx="1113692" cy="369332"/>
+          </a:xfrm>
+          <a:prstGeom prst="rect">
+            <a:avLst/>
+          </a:prstGeom>
+          <a:noFill/>
+        </p:spPr>
+        <p:txBody>
+          <a:bodyPr wrap="square" rtlCol="0">
+            <a:spAutoFit/>
+          </a:bodyPr>
+          <a:lstStyle/>
+          <a:p>
+            <a:r>
+              <a:rPr lang="en-GB" dirty="0">
+                <a:solidFill>
+                  <a:srgbClr val="FF0000"/>
+                </a:solidFill>
+              </a:rPr>
+              <a:t>50 MHz</a:t>
+            </a:r>
+            <a:endParaRPr lang="LID4096" dirty="0">
+              <a:solidFill>
+                <a:srgbClr val="FF0000"/>
+              </a:solidFill>
+            </a:endParaRPr>
+          </a:p>
+        </p:txBody>
+      </p:sp>
+      <p:sp>
+        <p:nvSpPr>
+          <p:cNvPr id="9" name="TextBox 8">
+            <a:extLst>
+              <a:ext uri="{FF2B5EF4-FFF2-40B4-BE49-F238E27FC236}">
+                <a16:creationId xmlns:a16="http://schemas.microsoft.com/office/drawing/2014/main" id="{1E9F9F0E-D8F8-7462-DADB-E809404D5040}"/>
+              </a:ext>
+            </a:extLst>
+          </p:cNvPr>
+          <p:cNvSpPr txBox="1"/>
+          <p:nvPr/>
+        </p:nvSpPr>
+        <p:spPr>
+          <a:xfrm>
+            <a:off x="10034954" y="2904589"/>
+            <a:ext cx="1113692" cy="369332"/>
+          </a:xfrm>
+          <a:prstGeom prst="rect">
+            <a:avLst/>
+          </a:prstGeom>
+          <a:noFill/>
+        </p:spPr>
+        <p:txBody>
+          <a:bodyPr wrap="square" rtlCol="0">
+            <a:spAutoFit/>
+          </a:bodyPr>
+          <a:lstStyle/>
+          <a:p>
+            <a:r>
+              <a:rPr lang="en-GB" dirty="0">
+                <a:solidFill>
+                  <a:srgbClr val="FF0000"/>
+                </a:solidFill>
+              </a:rPr>
+              <a:t>250 MHz</a:t>
+            </a:r>
+            <a:endParaRPr lang="LID4096" dirty="0">
+              <a:solidFill>
+                <a:srgbClr val="FF0000"/>
+              </a:solidFill>
+            </a:endParaRPr>
+          </a:p>
+        </p:txBody>
+      </p:sp>
+      <p:sp>
+        <p:nvSpPr>
+          <p:cNvPr id="34" name="TextBox 33">
+            <a:extLst>
+              <a:ext uri="{FF2B5EF4-FFF2-40B4-BE49-F238E27FC236}">
+                <a16:creationId xmlns:a16="http://schemas.microsoft.com/office/drawing/2014/main" id="{787612C6-E236-58ED-E1B9-2045621C5F19}"/>
+              </a:ext>
+            </a:extLst>
+          </p:cNvPr>
+          <p:cNvSpPr txBox="1"/>
+          <p:nvPr/>
+        </p:nvSpPr>
+        <p:spPr>
+          <a:xfrm>
+            <a:off x="3621822" y="3578442"/>
+            <a:ext cx="1113692" cy="369332"/>
+          </a:xfrm>
+          <a:prstGeom prst="rect">
+            <a:avLst/>
+          </a:prstGeom>
+          <a:noFill/>
+        </p:spPr>
+        <p:txBody>
+          <a:bodyPr wrap="square" rtlCol="0">
+            <a:spAutoFit/>
+          </a:bodyPr>
+          <a:lstStyle/>
+          <a:p>
+            <a:r>
+              <a:rPr lang="en-GB" dirty="0">
+                <a:solidFill>
+                  <a:srgbClr val="FF0000"/>
+                </a:solidFill>
+              </a:rPr>
+              <a:t>650 MHz</a:t>
+            </a:r>
+            <a:endParaRPr lang="LID4096" dirty="0">
+              <a:solidFill>
+                <a:srgbClr val="FF0000"/>
+              </a:solidFill>
+            </a:endParaRPr>
+          </a:p>
+        </p:txBody>
+      </p:sp>
     </p:spTree>
     <p:extLst>
       <p:ext uri="{BB962C8B-B14F-4D97-AF65-F5344CB8AC3E}">
@@ -18201,6 +18374,42 @@
           </a:p>
         </p:txBody>
       </p:sp>
+      <p:pic>
+        <p:nvPicPr>
+          <p:cNvPr id="3" name="Picture 2" descr="A close-up of a circuit board&#10;&#10;AI-generated content may be incorrect.">
+            <a:extLst>
+              <a:ext uri="{FF2B5EF4-FFF2-40B4-BE49-F238E27FC236}">
+                <a16:creationId xmlns:a16="http://schemas.microsoft.com/office/drawing/2014/main" id="{47D52636-5AB4-4740-CCF6-A3A7BA4F963F}"/>
+              </a:ext>
+            </a:extLst>
+          </p:cNvPr>
+          <p:cNvPicPr>
+            <a:picLocks noChangeAspect="1"/>
+          </p:cNvPicPr>
+          <p:nvPr/>
+        </p:nvPicPr>
+        <p:blipFill>
+          <a:blip r:embed="rId2">
+            <a:extLst>
+              <a:ext uri="{28A0092B-C50C-407E-A947-70E740481C1C}">
+                <a14:useLocalDpi xmlns:a14="http://schemas.microsoft.com/office/drawing/2010/main" val="0"/>
+              </a:ext>
+            </a:extLst>
+          </a:blip>
+          <a:stretch>
+            <a:fillRect/>
+          </a:stretch>
+        </p:blipFill>
+        <p:spPr>
+          <a:xfrm>
+            <a:off x="439462" y="198519"/>
+            <a:ext cx="11312769" cy="6363433"/>
+          </a:xfrm>
+          <a:prstGeom prst="rect">
+            <a:avLst/>
+          </a:prstGeom>
+        </p:spPr>
+      </p:pic>
     </p:spTree>
     <p:extLst>
       <p:ext uri="{BB962C8B-B14F-4D97-AF65-F5344CB8AC3E}">
